--- a/images/record/Kubernetes_Install_ClusterAPI_External_Cloud_Provider_Ubuntu_18.04_OpenStack/Kubernetes_Install.pptx
+++ b/images/record/Kubernetes_Install_ClusterAPI_External_Cloud_Provider_Ubuntu_18.04_OpenStack/Kubernetes_Install.pptx
@@ -216,7 +216,7 @@
           <a:p>
             <a:fld id="{6CD5550B-26C4-49A9-A5BA-636EF7BE6CE9}" type="datetimeFigureOut">
               <a:rPr lang="ko-KR" altLang="en-US" smtClean="0"/>
-              <a:t>2020-11-24</a:t>
+              <a:t>2020-11-25</a:t>
             </a:fld>
             <a:endParaRPr lang="ko-KR" altLang="en-US"/>
           </a:p>
@@ -914,7 +914,7 @@
           <a:p>
             <a:fld id="{FB30EDBD-1C2D-4C1E-B459-B60219FAB484}" type="datetimeFigureOut">
               <a:rPr lang="ko-KR" altLang="en-US" smtClean="0"/>
-              <a:t>2020-11-24</a:t>
+              <a:t>2020-11-25</a:t>
             </a:fld>
             <a:endParaRPr lang="ko-KR" altLang="en-US"/>
           </a:p>
@@ -1077,7 +1077,7 @@
           <a:p>
             <a:fld id="{FB30EDBD-1C2D-4C1E-B459-B60219FAB484}" type="datetimeFigureOut">
               <a:rPr lang="ko-KR" altLang="en-US" smtClean="0"/>
-              <a:t>2020-11-24</a:t>
+              <a:t>2020-11-25</a:t>
             </a:fld>
             <a:endParaRPr lang="ko-KR" altLang="en-US"/>
           </a:p>
@@ -1250,7 +1250,7 @@
           <a:p>
             <a:fld id="{FB30EDBD-1C2D-4C1E-B459-B60219FAB484}" type="datetimeFigureOut">
               <a:rPr lang="ko-KR" altLang="en-US" smtClean="0"/>
-              <a:t>2020-11-24</a:t>
+              <a:t>2020-11-25</a:t>
             </a:fld>
             <a:endParaRPr lang="ko-KR" altLang="en-US"/>
           </a:p>
@@ -1413,7 +1413,7 @@
           <a:p>
             <a:fld id="{FB30EDBD-1C2D-4C1E-B459-B60219FAB484}" type="datetimeFigureOut">
               <a:rPr lang="ko-KR" altLang="en-US" smtClean="0"/>
-              <a:t>2020-11-24</a:t>
+              <a:t>2020-11-25</a:t>
             </a:fld>
             <a:endParaRPr lang="ko-KR" altLang="en-US"/>
           </a:p>
@@ -1653,7 +1653,7 @@
           <a:p>
             <a:fld id="{FB30EDBD-1C2D-4C1E-B459-B60219FAB484}" type="datetimeFigureOut">
               <a:rPr lang="ko-KR" altLang="en-US" smtClean="0"/>
-              <a:t>2020-11-24</a:t>
+              <a:t>2020-11-25</a:t>
             </a:fld>
             <a:endParaRPr lang="ko-KR" altLang="en-US"/>
           </a:p>
@@ -1933,7 +1933,7 @@
           <a:p>
             <a:fld id="{FB30EDBD-1C2D-4C1E-B459-B60219FAB484}" type="datetimeFigureOut">
               <a:rPr lang="ko-KR" altLang="en-US" smtClean="0"/>
-              <a:t>2020-11-24</a:t>
+              <a:t>2020-11-25</a:t>
             </a:fld>
             <a:endParaRPr lang="ko-KR" altLang="en-US"/>
           </a:p>
@@ -2347,7 +2347,7 @@
           <a:p>
             <a:fld id="{FB30EDBD-1C2D-4C1E-B459-B60219FAB484}" type="datetimeFigureOut">
               <a:rPr lang="ko-KR" altLang="en-US" smtClean="0"/>
-              <a:t>2020-11-24</a:t>
+              <a:t>2020-11-25</a:t>
             </a:fld>
             <a:endParaRPr lang="ko-KR" altLang="en-US"/>
           </a:p>
@@ -2459,7 +2459,7 @@
           <a:p>
             <a:fld id="{FB30EDBD-1C2D-4C1E-B459-B60219FAB484}" type="datetimeFigureOut">
               <a:rPr lang="ko-KR" altLang="en-US" smtClean="0"/>
-              <a:t>2020-11-24</a:t>
+              <a:t>2020-11-25</a:t>
             </a:fld>
             <a:endParaRPr lang="ko-KR" altLang="en-US"/>
           </a:p>
@@ -2549,7 +2549,7 @@
           <a:p>
             <a:fld id="{FB30EDBD-1C2D-4C1E-B459-B60219FAB484}" type="datetimeFigureOut">
               <a:rPr lang="ko-KR" altLang="en-US" smtClean="0"/>
-              <a:t>2020-11-24</a:t>
+              <a:t>2020-11-25</a:t>
             </a:fld>
             <a:endParaRPr lang="ko-KR" altLang="en-US"/>
           </a:p>
@@ -2819,7 +2819,7 @@
           <a:p>
             <a:fld id="{FB30EDBD-1C2D-4C1E-B459-B60219FAB484}" type="datetimeFigureOut">
               <a:rPr lang="ko-KR" altLang="en-US" smtClean="0"/>
-              <a:t>2020-11-24</a:t>
+              <a:t>2020-11-25</a:t>
             </a:fld>
             <a:endParaRPr lang="ko-KR" altLang="en-US"/>
           </a:p>
@@ -3066,7 +3066,7 @@
           <a:p>
             <a:fld id="{FB30EDBD-1C2D-4C1E-B459-B60219FAB484}" type="datetimeFigureOut">
               <a:rPr lang="ko-KR" altLang="en-US" smtClean="0"/>
-              <a:t>2020-11-24</a:t>
+              <a:t>2020-11-25</a:t>
             </a:fld>
             <a:endParaRPr lang="ko-KR" altLang="en-US"/>
           </a:p>
@@ -3272,7 +3272,7 @@
           <a:p>
             <a:fld id="{FB30EDBD-1C2D-4C1E-B459-B60219FAB484}" type="datetimeFigureOut">
               <a:rPr lang="ko-KR" altLang="en-US" smtClean="0"/>
-              <a:t>2020-11-24</a:t>
+              <a:t>2020-11-25</a:t>
             </a:fld>
             <a:endParaRPr lang="ko-KR" altLang="en-US"/>
           </a:p>
@@ -3889,7 +3889,7 @@
         </p:nvSpPr>
         <p:spPr>
           <a:xfrm>
-            <a:off x="3695218" y="1569139"/>
+            <a:off x="4283968" y="1569139"/>
             <a:ext cx="1440160" cy="576064"/>
           </a:xfrm>
           <a:prstGeom prst="roundRect">
@@ -4406,7 +4406,7 @@
         </p:nvSpPr>
         <p:spPr>
           <a:xfrm>
-            <a:off x="5295989" y="1591933"/>
+            <a:off x="2838582" y="1591933"/>
             <a:ext cx="1301370" cy="530476"/>
           </a:xfrm>
           <a:prstGeom prst="roundRect">
@@ -4738,54 +4738,8 @@
         </p:nvCxnSpPr>
         <p:spPr>
           <a:xfrm flipH="1">
-            <a:off x="3299175" y="2321350"/>
-            <a:ext cx="4165817" cy="0"/>
-          </a:xfrm>
-          <a:prstGeom prst="line">
-            <a:avLst/>
-          </a:prstGeom>
-          <a:ln w="28575">
-            <a:solidFill>
-              <a:schemeClr val="accent3">
-                <a:lumMod val="50000"/>
-              </a:schemeClr>
-            </a:solidFill>
-          </a:ln>
-        </p:spPr>
-        <p:style>
-          <a:lnRef idx="1">
-            <a:schemeClr val="accent1"/>
-          </a:lnRef>
-          <a:fillRef idx="0">
-            <a:schemeClr val="accent1"/>
-          </a:fillRef>
-          <a:effectRef idx="0">
-            <a:schemeClr val="accent1"/>
-          </a:effectRef>
-          <a:fontRef idx="minor">
-            <a:schemeClr val="tx1"/>
-          </a:fontRef>
-        </p:style>
-      </p:cxnSp>
-      <p:cxnSp>
-        <p:nvCxnSpPr>
-          <p:cNvPr id="88" name="직선 연결선 87">
-            <a:extLst>
-              <a:ext uri="{FF2B5EF4-FFF2-40B4-BE49-F238E27FC236}">
-                <a16:creationId xmlns:a16="http://schemas.microsoft.com/office/drawing/2014/main" id="{F45103E1-2117-47E6-AA4F-84A0C525ED61}"/>
-              </a:ext>
-            </a:extLst>
-          </p:cNvPr>
-          <p:cNvCxnSpPr>
-            <a:cxnSpLocks/>
-            <a:stCxn id="42" idx="0"/>
-          </p:cNvCxnSpPr>
-          <p:nvPr/>
-        </p:nvCxnSpPr>
-        <p:spPr>
-          <a:xfrm flipV="1">
-            <a:off x="3299175" y="2321310"/>
-            <a:ext cx="1" cy="178432"/>
+            <a:off x="3859893" y="2321350"/>
+            <a:ext cx="3519230" cy="0"/>
           </a:xfrm>
           <a:prstGeom prst="line">
             <a:avLst/>
@@ -4824,153 +4778,13 @@
           </p:cNvPr>
           <p:cNvCxnSpPr>
             <a:cxnSpLocks/>
-            <a:stCxn id="51" idx="0"/>
-            <a:endCxn id="55" idx="2"/>
           </p:cNvCxnSpPr>
           <p:nvPr/>
         </p:nvCxnSpPr>
         <p:spPr>
-          <a:xfrm flipH="1" flipV="1">
-            <a:off x="4415298" y="2145203"/>
-            <a:ext cx="1" cy="354539"/>
-          </a:xfrm>
-          <a:prstGeom prst="line">
-            <a:avLst/>
-          </a:prstGeom>
-          <a:ln w="28575">
-            <a:solidFill>
-              <a:schemeClr val="accent3">
-                <a:lumMod val="50000"/>
-              </a:schemeClr>
-            </a:solidFill>
-          </a:ln>
-        </p:spPr>
-        <p:style>
-          <a:lnRef idx="1">
-            <a:schemeClr val="accent1"/>
-          </a:lnRef>
-          <a:fillRef idx="0">
-            <a:schemeClr val="accent1"/>
-          </a:fillRef>
-          <a:effectRef idx="0">
-            <a:schemeClr val="accent1"/>
-          </a:effectRef>
-          <a:fontRef idx="minor">
-            <a:schemeClr val="tx1"/>
-          </a:fontRef>
-        </p:style>
-      </p:cxnSp>
-      <p:cxnSp>
-        <p:nvCxnSpPr>
-          <p:cNvPr id="95" name="직선 연결선 94">
-            <a:extLst>
-              <a:ext uri="{FF2B5EF4-FFF2-40B4-BE49-F238E27FC236}">
-                <a16:creationId xmlns:a16="http://schemas.microsoft.com/office/drawing/2014/main" id="{8ADDA60A-4BB4-4686-B443-A5334D625733}"/>
-              </a:ext>
-            </a:extLst>
-          </p:cNvPr>
-          <p:cNvCxnSpPr>
-            <a:cxnSpLocks/>
-            <a:stCxn id="54" idx="0"/>
-          </p:cNvCxnSpPr>
-          <p:nvPr/>
-        </p:nvCxnSpPr>
-        <p:spPr>
           <a:xfrm flipV="1">
-            <a:off x="5531423" y="2321309"/>
-            <a:ext cx="0" cy="178433"/>
-          </a:xfrm>
-          <a:prstGeom prst="line">
-            <a:avLst/>
-          </a:prstGeom>
-          <a:ln w="28575">
-            <a:solidFill>
-              <a:schemeClr val="accent3">
-                <a:lumMod val="50000"/>
-              </a:schemeClr>
-            </a:solidFill>
-          </a:ln>
-        </p:spPr>
-        <p:style>
-          <a:lnRef idx="1">
-            <a:schemeClr val="accent1"/>
-          </a:lnRef>
-          <a:fillRef idx="0">
-            <a:schemeClr val="accent1"/>
-          </a:fillRef>
-          <a:effectRef idx="0">
-            <a:schemeClr val="accent1"/>
-          </a:effectRef>
-          <a:fontRef idx="minor">
-            <a:schemeClr val="tx1"/>
-          </a:fontRef>
-        </p:style>
-      </p:cxnSp>
-      <p:cxnSp>
-        <p:nvCxnSpPr>
-          <p:cNvPr id="100" name="직선 연결선 99">
-            <a:extLst>
-              <a:ext uri="{FF2B5EF4-FFF2-40B4-BE49-F238E27FC236}">
-                <a16:creationId xmlns:a16="http://schemas.microsoft.com/office/drawing/2014/main" id="{CFC7C286-2626-4845-BAB4-63345330EE63}"/>
-              </a:ext>
-            </a:extLst>
-          </p:cNvPr>
-          <p:cNvCxnSpPr>
-            <a:cxnSpLocks/>
-            <a:stCxn id="56" idx="0"/>
-          </p:cNvCxnSpPr>
-          <p:nvPr/>
-        </p:nvCxnSpPr>
-        <p:spPr>
-          <a:xfrm flipV="1">
-            <a:off x="6904137" y="2321309"/>
-            <a:ext cx="0" cy="178433"/>
-          </a:xfrm>
-          <a:prstGeom prst="line">
-            <a:avLst/>
-          </a:prstGeom>
-          <a:ln w="28575">
-            <a:solidFill>
-              <a:schemeClr val="accent3">
-                <a:lumMod val="50000"/>
-              </a:schemeClr>
-            </a:solidFill>
-          </a:ln>
-        </p:spPr>
-        <p:style>
-          <a:lnRef idx="1">
-            <a:schemeClr val="accent1"/>
-          </a:lnRef>
-          <a:fillRef idx="0">
-            <a:schemeClr val="accent1"/>
-          </a:fillRef>
-          <a:effectRef idx="0">
-            <a:schemeClr val="accent1"/>
-          </a:effectRef>
-          <a:fontRef idx="minor">
-            <a:schemeClr val="tx1"/>
-          </a:fontRef>
-        </p:style>
-      </p:cxnSp>
-      <p:cxnSp>
-        <p:nvCxnSpPr>
-          <p:cNvPr id="103" name="직선 연결선 102">
-            <a:extLst>
-              <a:ext uri="{FF2B5EF4-FFF2-40B4-BE49-F238E27FC236}">
-                <a16:creationId xmlns:a16="http://schemas.microsoft.com/office/drawing/2014/main" id="{E95BCF06-FE14-4FFE-B50B-26BEBBE784FE}"/>
-              </a:ext>
-            </a:extLst>
-          </p:cNvPr>
-          <p:cNvCxnSpPr>
-            <a:cxnSpLocks/>
-            <a:endCxn id="73" idx="2"/>
-          </p:cNvCxnSpPr>
-          <p:nvPr/>
-        </p:nvCxnSpPr>
-        <p:spPr>
-          <a:xfrm flipV="1">
-            <a:off x="5946674" y="2122409"/>
-            <a:ext cx="0" cy="195443"/>
+            <a:off x="4883351" y="2145203"/>
+            <a:ext cx="0" cy="172649"/>
           </a:xfrm>
           <a:prstGeom prst="line">
             <a:avLst/>
@@ -5009,13 +4823,12 @@
           </p:cNvPr>
           <p:cNvCxnSpPr>
             <a:cxnSpLocks/>
-            <a:endCxn id="66" idx="2"/>
           </p:cNvCxnSpPr>
           <p:nvPr/>
         </p:nvCxnSpPr>
         <p:spPr>
           <a:xfrm flipV="1">
-            <a:off x="7464987" y="2138115"/>
+            <a:off x="7377932" y="2138115"/>
             <a:ext cx="2380" cy="179738"/>
           </a:xfrm>
           <a:prstGeom prst="line">
@@ -5174,9 +4987,9 @@
           <p:nvPr/>
         </p:nvCxnSpPr>
         <p:spPr>
-          <a:xfrm flipH="1" flipV="1">
-            <a:off x="3859209" y="2317852"/>
-            <a:ext cx="684" cy="1387497"/>
+          <a:xfrm flipV="1">
+            <a:off x="3859893" y="2138115"/>
+            <a:ext cx="0" cy="1567235"/>
           </a:xfrm>
           <a:prstGeom prst="line">
             <a:avLst/>
@@ -5514,6 +5327,92 @@
           <a:ln w="28575">
             <a:solidFill>
               <a:srgbClr val="C00000"/>
+            </a:solidFill>
+          </a:ln>
+        </p:spPr>
+        <p:style>
+          <a:lnRef idx="1">
+            <a:schemeClr val="accent1"/>
+          </a:lnRef>
+          <a:fillRef idx="0">
+            <a:schemeClr val="accent1"/>
+          </a:fillRef>
+          <a:effectRef idx="0">
+            <a:schemeClr val="accent1"/>
+          </a:effectRef>
+          <a:fontRef idx="minor">
+            <a:schemeClr val="tx1"/>
+          </a:fontRef>
+        </p:style>
+      </p:cxnSp>
+      <p:cxnSp>
+        <p:nvCxnSpPr>
+          <p:cNvPr id="44" name="직선 연결선 43">
+            <a:extLst>
+              <a:ext uri="{FF2B5EF4-FFF2-40B4-BE49-F238E27FC236}">
+                <a16:creationId xmlns:a16="http://schemas.microsoft.com/office/drawing/2014/main" id="{700350F4-0D2C-44D0-8AB8-C25A2B7C5F1A}"/>
+              </a:ext>
+            </a:extLst>
+          </p:cNvPr>
+          <p:cNvCxnSpPr>
+            <a:cxnSpLocks/>
+          </p:cNvCxnSpPr>
+          <p:nvPr/>
+        </p:nvCxnSpPr>
+        <p:spPr>
+          <a:xfrm>
+            <a:off x="4972680" y="2145203"/>
+            <a:ext cx="0" cy="1342026"/>
+          </a:xfrm>
+          <a:prstGeom prst="line">
+            <a:avLst/>
+          </a:prstGeom>
+          <a:ln w="28575">
+            <a:solidFill>
+              <a:schemeClr val="tx2"/>
+            </a:solidFill>
+          </a:ln>
+        </p:spPr>
+        <p:style>
+          <a:lnRef idx="1">
+            <a:schemeClr val="accent1"/>
+          </a:lnRef>
+          <a:fillRef idx="0">
+            <a:schemeClr val="accent1"/>
+          </a:fillRef>
+          <a:effectRef idx="0">
+            <a:schemeClr val="accent1"/>
+          </a:effectRef>
+          <a:fontRef idx="minor">
+            <a:schemeClr val="tx1"/>
+          </a:fontRef>
+        </p:style>
+      </p:cxnSp>
+      <p:cxnSp>
+        <p:nvCxnSpPr>
+          <p:cNvPr id="45" name="직선 연결선 44">
+            <a:extLst>
+              <a:ext uri="{FF2B5EF4-FFF2-40B4-BE49-F238E27FC236}">
+                <a16:creationId xmlns:a16="http://schemas.microsoft.com/office/drawing/2014/main" id="{B0ED9B0F-7F8A-4110-934A-90DA090CBB8D}"/>
+              </a:ext>
+            </a:extLst>
+          </p:cNvPr>
+          <p:cNvCxnSpPr>
+            <a:cxnSpLocks/>
+          </p:cNvCxnSpPr>
+          <p:nvPr/>
+        </p:nvCxnSpPr>
+        <p:spPr>
+          <a:xfrm>
+            <a:off x="7466609" y="2138115"/>
+            <a:ext cx="5949" cy="1344034"/>
+          </a:xfrm>
+          <a:prstGeom prst="line">
+            <a:avLst/>
+          </a:prstGeom>
+          <a:ln w="28575">
+            <a:solidFill>
+              <a:schemeClr val="tx2"/>
             </a:solidFill>
           </a:ln>
         </p:spPr>

--- a/images/record/Kubernetes_Install_ClusterAPI_External_Cloud_Provider_Ubuntu_18.04_OpenStack/Kubernetes_Install.pptx
+++ b/images/record/Kubernetes_Install_ClusterAPI_External_Cloud_Provider_Ubuntu_18.04_OpenStack/Kubernetes_Install.pptx
@@ -3819,7 +3819,7 @@
             <a:pPr algn="ctr"/>
             <a:r>
               <a:rPr lang="en-US" altLang="ko-KR" sz="1200"/>
-              <a:t>ODROID-H2 Compute Node</a:t>
+              <a:t>OpenStack Compute Node</a:t>
             </a:r>
           </a:p>
         </p:txBody>
@@ -4080,7 +4080,7 @@
             <a:pPr algn="ctr"/>
             <a:r>
               <a:rPr lang="en-US" altLang="ko-KR" sz="1200"/>
-              <a:t>ODROID-H2 Compute Node</a:t>
+              <a:t>OpenStack Compute Node</a:t>
             </a:r>
           </a:p>
         </p:txBody>
